--- a/src/site/markdown/bcsc.pptx
+++ b/src/site/markdown/bcsc.pptx
@@ -19646,85 +19646,6 @@
   <p:clrMapOvr>
     <a:masterClrMapping/>
   </p:clrMapOvr>
-  <p:timing>
-    <p:tnLst>
-      <p:par>
-        <p:cTn id="1" dur="indefinite" restart="never" nodeType="tmRoot">
-          <p:childTnLst>
-            <p:seq>
-              <p:cTn id="2" nodeType="mainSeq">
-                <p:childTnLst>
-                  <p:par>
-                    <p:cTn id="3" fill="freeze">
-                      <p:stCondLst>
-                        <p:cond delay="indefinite"/>
-                      </p:stCondLst>
-                      <p:childTnLst>
-                        <p:par>
-                          <p:cTn id="4" fill="freeze">
-                            <p:stCondLst>
-                              <p:cond delay="0"/>
-                            </p:stCondLst>
-                            <p:childTnLst>
-                              <p:par>
-                                <p:cTn id="5" presetID="1" presetClass="entr" fill="hold" nodeType="clickEffect">
-                                  <p:stCondLst>
-                                    <p:cond delay="0"/>
-                                  </p:stCondLst>
-                                  <p:childTnLst>
-                                    <p:set>
-                                      <p:cBhvr>
-                                        <p:cTn id="6" dur="1" fill="hold">
-                                          <p:stCondLst>
-                                            <p:cond delay="0"/>
-                                          </p:stCondLst>
-                                        </p:cTn>
-                                        <p:tgtEl>
-                                          <p:spTgt spid="560">
-                                            <p:txEl>
-                                              <p:pRg st="0" end="71"/>
-                                            </p:txEl>
-                                          </p:spTgt>
-                                        </p:tgtEl>
-                                        <p:attrNameLst>
-                                          <p:attrName>style.visibility</p:attrName>
-                                        </p:attrNameLst>
-                                      </p:cBhvr>
-                                      <p:to>
-                                        <p:strVal val="visible"/>
-                                      </p:to>
-                                    </p:set>
-                                  </p:childTnLst>
-                                </p:cTn>
-                              </p:par>
-                            </p:childTnLst>
-                          </p:cTn>
-                        </p:par>
-                      </p:childTnLst>
-                    </p:cTn>
-                  </p:par>
-                </p:childTnLst>
-              </p:cTn>
-              <p:prevCondLst>
-                <p:cond evt="onPrev" delay="0">
-                  <p:tgtEl>
-                    <p:sldTgt/>
-                  </p:tgtEl>
-                </p:cond>
-              </p:prevCondLst>
-              <p:nextCondLst>
-                <p:cond evt="onNext" delay="0">
-                  <p:tgtEl>
-                    <p:sldTgt/>
-                  </p:tgtEl>
-                </p:cond>
-              </p:nextCondLst>
-            </p:seq>
-          </p:childTnLst>
-        </p:cTn>
-      </p:par>
-    </p:tnLst>
-  </p:timing>
 </p:sld>
 </file>
 
@@ -20518,7 +20439,7 @@
               <a:buChar char="•"/>
             </a:pPr>
             <a:r>
-              <a:rPr lang="en-US" sz="3200"/>
+              <a:rPr lang="en-US" sz="3200" dirty="0"/>
               <a:t>Learn about Blockchain (but not Bitcoin)</a:t>
             </a:r>
           </a:p>
@@ -20532,16 +20453,10 @@
               <a:buChar char="•"/>
             </a:pPr>
             <a:r>
-              <a:rPr lang="en-US" sz="3200">
-                <a:latin typeface="Arial"/>
-              </a:rPr>
-              <a:t>Complex</a:t>
-            </a:r>
-            <a:r>
               <a:rPr lang="en-US" sz="3200" dirty="0">
                 <a:latin typeface="Arial"/>
               </a:rPr>
-              <a:t>, Configurable Simulation Generation</a:t>
+              <a:t>Complex, Configurable Simulation Generation</a:t>
             </a:r>
             <a:endParaRPr dirty="0"/>
           </a:p>
@@ -27025,13 +26940,7 @@
               <a:rPr lang="en-US" sz="2800" dirty="0">
                 <a:latin typeface="Arial"/>
               </a:rPr>
-              <a:t>Pump The Simulation Data Into </a:t>
-            </a:r>
-            <a:r>
-              <a:rPr lang="en-US" sz="2800" dirty="0" err="1">
-                <a:latin typeface="Arial"/>
-              </a:rPr>
-              <a:t>Vm</a:t>
+              <a:t>Pump The Simulation Data Into VM/Distributed Ledger</a:t>
             </a:r>
             <a:endParaRPr dirty="0"/>
           </a:p>
@@ -27104,85 +27013,6 @@
   <p:clrMapOvr>
     <a:masterClrMapping/>
   </p:clrMapOvr>
-  <p:timing>
-    <p:tnLst>
-      <p:par>
-        <p:cTn id="1" dur="indefinite" restart="never" nodeType="tmRoot">
-          <p:childTnLst>
-            <p:seq>
-              <p:cTn id="2" nodeType="mainSeq">
-                <p:childTnLst>
-                  <p:par>
-                    <p:cTn id="3" fill="freeze">
-                      <p:stCondLst>
-                        <p:cond delay="indefinite"/>
-                      </p:stCondLst>
-                      <p:childTnLst>
-                        <p:par>
-                          <p:cTn id="4" fill="freeze">
-                            <p:stCondLst>
-                              <p:cond delay="0"/>
-                            </p:stCondLst>
-                            <p:childTnLst>
-                              <p:par>
-                                <p:cTn id="5" presetID="1" presetClass="entr" fill="hold" nodeType="clickEffect">
-                                  <p:stCondLst>
-                                    <p:cond delay="0"/>
-                                  </p:stCondLst>
-                                  <p:childTnLst>
-                                    <p:set>
-                                      <p:cBhvr>
-                                        <p:cTn id="6" dur="1" fill="hold">
-                                          <p:stCondLst>
-                                            <p:cond delay="0"/>
-                                          </p:stCondLst>
-                                        </p:cTn>
-                                        <p:tgtEl>
-                                          <p:spTgt spid="750">
-                                            <p:txEl>
-                                              <p:pRg st="0" end="40"/>
-                                            </p:txEl>
-                                          </p:spTgt>
-                                        </p:tgtEl>
-                                        <p:attrNameLst>
-                                          <p:attrName>style.visibility</p:attrName>
-                                        </p:attrNameLst>
-                                      </p:cBhvr>
-                                      <p:to>
-                                        <p:strVal val="visible"/>
-                                      </p:to>
-                                    </p:set>
-                                  </p:childTnLst>
-                                </p:cTn>
-                              </p:par>
-                            </p:childTnLst>
-                          </p:cTn>
-                        </p:par>
-                      </p:childTnLst>
-                    </p:cTn>
-                  </p:par>
-                </p:childTnLst>
-              </p:cTn>
-              <p:prevCondLst>
-                <p:cond evt="onPrev" delay="0">
-                  <p:tgtEl>
-                    <p:sldTgt/>
-                  </p:tgtEl>
-                </p:cond>
-              </p:prevCondLst>
-              <p:nextCondLst>
-                <p:cond evt="onNext" delay="0">
-                  <p:tgtEl>
-                    <p:sldTgt/>
-                  </p:tgtEl>
-                </p:cond>
-              </p:nextCondLst>
-            </p:seq>
-          </p:childTnLst>
-        </p:cTn>
-      </p:par>
-    </p:tnLst>
-  </p:timing>
 </p:sld>
 </file>
 
@@ -29030,12 +28860,12 @@
               <a:buChar char="•"/>
             </a:pPr>
             <a:r>
-              <a:rPr lang="en-US" sz="2400" dirty="0">
+              <a:rPr lang="en-US" sz="2600" dirty="0">
                 <a:latin typeface="Arial"/>
               </a:rPr>
               <a:t>Java using Maven</a:t>
             </a:r>
-            <a:endParaRPr dirty="0"/>
+            <a:endParaRPr sz="2600" dirty="0"/>
           </a:p>
           <a:p>
             <a:pPr marL="342900" indent="-342900">
@@ -29047,12 +28877,12 @@
               <a:buChar char="•"/>
             </a:pPr>
             <a:r>
-              <a:rPr lang="en-US" sz="2400" dirty="0">
+              <a:rPr lang="en-US" sz="2600" dirty="0">
                 <a:latin typeface="Arial"/>
               </a:rPr>
               <a:t>Swagger for OAS Server and Client API's</a:t>
             </a:r>
-            <a:endParaRPr dirty="0"/>
+            <a:endParaRPr sz="2600" dirty="0"/>
           </a:p>
           <a:p>
             <a:pPr marL="342900" indent="-342900">
@@ -29064,18 +28894,18 @@
               <a:buChar char="•"/>
             </a:pPr>
             <a:r>
-              <a:rPr lang="en-US" sz="2400" dirty="0">
+              <a:rPr lang="en-US" sz="2600" dirty="0">
                 <a:latin typeface="Arial"/>
               </a:rPr>
               <a:t>Parent: blockchain-</a:t>
             </a:r>
             <a:r>
-              <a:rPr lang="en-US" sz="2400" dirty="0" err="1">
+              <a:rPr lang="en-US" sz="2600" dirty="0" err="1">
                 <a:latin typeface="Arial"/>
               </a:rPr>
               <a:t>supplychain</a:t>
             </a:r>
-            <a:endParaRPr dirty="0"/>
+            <a:endParaRPr sz="2600" dirty="0"/>
           </a:p>
           <a:p>
             <a:pPr marL="342900" indent="-342900">
@@ -29087,12 +28917,12 @@
               <a:buChar char="•"/>
             </a:pPr>
             <a:r>
-              <a:rPr lang="en-US" sz="2400" dirty="0">
+              <a:rPr lang="en-US" sz="2600" dirty="0">
                 <a:latin typeface="Arial"/>
               </a:rPr>
               <a:t>Children</a:t>
             </a:r>
-            <a:endParaRPr dirty="0"/>
+            <a:endParaRPr sz="2600" dirty="0"/>
           </a:p>
           <a:p>
             <a:pPr marL="800100" lvl="1" indent="-342900">
@@ -29104,18 +28934,18 @@
               <a:buChar char="•"/>
             </a:pPr>
             <a:r>
-              <a:rPr lang="en-US" sz="2400" dirty="0" err="1">
+              <a:rPr lang="en-US" sz="2600" dirty="0" err="1">
                 <a:latin typeface="Arial"/>
               </a:rPr>
               <a:t>bcsc</a:t>
             </a:r>
             <a:r>
-              <a:rPr lang="en-US" sz="2400" dirty="0">
+              <a:rPr lang="en-US" sz="2600" dirty="0">
                 <a:latin typeface="Arial"/>
               </a:rPr>
               <a:t>-common: Common Utilities, Constants, etc. </a:t>
             </a:r>
-            <a:endParaRPr dirty="0"/>
+            <a:endParaRPr sz="2600" dirty="0"/>
           </a:p>
           <a:p>
             <a:pPr marL="800100" lvl="1" indent="-342900">
@@ -29127,24 +28957,24 @@
               <a:buChar char="•"/>
             </a:pPr>
             <a:r>
-              <a:rPr lang="en-US" sz="2400" dirty="0" err="1">
+              <a:rPr lang="en-US" sz="2600" dirty="0" err="1">
                 <a:latin typeface="Arial"/>
               </a:rPr>
               <a:t>bcsc</a:t>
             </a:r>
             <a:r>
-              <a:rPr lang="en-US" sz="2400" dirty="0">
+              <a:rPr lang="en-US" sz="2600" dirty="0">
                 <a:latin typeface="Arial"/>
               </a:rPr>
               <a:t>-service: Centralized Services – Database, Hive, ORC, </a:t>
             </a:r>
             <a:r>
-              <a:rPr lang="en-US" sz="2400" dirty="0" err="1">
+              <a:rPr lang="en-US" sz="2600" dirty="0" err="1">
                 <a:latin typeface="Arial"/>
               </a:rPr>
               <a:t>SparkSQL</a:t>
             </a:r>
-            <a:endParaRPr dirty="0"/>
+            <a:endParaRPr sz="2600" dirty="0"/>
           </a:p>
           <a:p>
             <a:pPr marL="800100" lvl="1" indent="-342900">
@@ -29156,18 +28986,18 @@
               <a:buChar char="•"/>
             </a:pPr>
             <a:r>
-              <a:rPr lang="en-US" sz="2400" dirty="0" err="1">
+              <a:rPr lang="en-US" sz="2600" dirty="0" err="1">
                 <a:latin typeface="Arial"/>
               </a:rPr>
               <a:t>bcsc</a:t>
             </a:r>
             <a:r>
-              <a:rPr lang="en-US" sz="2400" dirty="0">
+              <a:rPr lang="en-US" sz="2600" dirty="0">
                 <a:latin typeface="Arial"/>
               </a:rPr>
               <a:t>-sim: Generate The Simulated Data</a:t>
             </a:r>
-            <a:endParaRPr dirty="0"/>
+            <a:endParaRPr sz="2600" dirty="0"/>
           </a:p>
           <a:p>
             <a:pPr marL="800100" lvl="1" indent="-342900">
@@ -29179,18 +29009,18 @@
               <a:buChar char="•"/>
             </a:pPr>
             <a:r>
-              <a:rPr lang="en-US" sz="2400" dirty="0" err="1">
+              <a:rPr lang="en-US" sz="2600" dirty="0" err="1">
                 <a:latin typeface="Arial"/>
               </a:rPr>
               <a:t>bcsc</a:t>
             </a:r>
             <a:r>
-              <a:rPr lang="en-US" sz="2400" dirty="0">
+              <a:rPr lang="en-US" sz="2600" dirty="0">
                 <a:latin typeface="Arial"/>
               </a:rPr>
               <a:t>-test: Unit Tests </a:t>
             </a:r>
-            <a:endParaRPr dirty="0"/>
+            <a:endParaRPr sz="2600" dirty="0"/>
           </a:p>
           <a:p>
             <a:pPr marL="800100" lvl="1" indent="-342900">
@@ -29202,30 +29032,30 @@
               <a:buChar char="•"/>
             </a:pPr>
             <a:r>
-              <a:rPr lang="en-US" sz="2400" dirty="0" err="1">
+              <a:rPr lang="en-US" sz="2600" dirty="0" err="1">
                 <a:latin typeface="Arial"/>
               </a:rPr>
               <a:t>bcsc-api</a:t>
             </a:r>
             <a:r>
-              <a:rPr lang="en-US" sz="2400" dirty="0">
+              <a:rPr lang="en-US" sz="2600" dirty="0">
                 <a:latin typeface="Arial"/>
               </a:rPr>
               <a:t>: Server OAS Code – Connects To </a:t>
             </a:r>
             <a:r>
-              <a:rPr lang="en-US" sz="2400" dirty="0" err="1">
+              <a:rPr lang="en-US" sz="2600" dirty="0" err="1">
                 <a:latin typeface="Arial"/>
               </a:rPr>
               <a:t>bcsc</a:t>
             </a:r>
             <a:r>
-              <a:rPr lang="en-US" sz="2400" dirty="0">
+              <a:rPr lang="en-US" sz="2600" dirty="0">
                 <a:latin typeface="Arial"/>
               </a:rPr>
               <a:t>-service</a:t>
             </a:r>
-            <a:endParaRPr dirty="0"/>
+            <a:endParaRPr sz="2600" dirty="0"/>
           </a:p>
           <a:p>
             <a:pPr marL="800100" lvl="1" indent="-342900">
@@ -29237,24 +29067,24 @@
               <a:buChar char="•"/>
             </a:pPr>
             <a:r>
-              <a:rPr lang="en-US" sz="2400" dirty="0" err="1">
+              <a:rPr lang="en-US" sz="2600" dirty="0" err="1">
                 <a:latin typeface="Arial"/>
               </a:rPr>
               <a:t>bcsc-apiclient</a:t>
             </a:r>
             <a:r>
-              <a:rPr lang="en-US" sz="2400" dirty="0">
+              <a:rPr lang="en-US" sz="2600" dirty="0">
                 <a:latin typeface="Arial"/>
               </a:rPr>
               <a:t>: Client OAS Code, Connects to </a:t>
             </a:r>
             <a:r>
-              <a:rPr lang="en-US" sz="2400" dirty="0" err="1">
+              <a:rPr lang="en-US" sz="2600" dirty="0" err="1">
                 <a:latin typeface="Arial"/>
               </a:rPr>
               <a:t>bcsc-api</a:t>
             </a:r>
-            <a:endParaRPr dirty="0"/>
+            <a:endParaRPr sz="2600" dirty="0"/>
           </a:p>
           <a:p>
             <a:pPr marL="800100" lvl="1" indent="-342900">
@@ -29266,24 +29096,24 @@
               <a:buChar char="•"/>
             </a:pPr>
             <a:r>
-              <a:rPr lang="en-US" sz="2400" dirty="0" err="1">
+              <a:rPr lang="en-US" sz="2600" dirty="0" err="1">
                 <a:latin typeface="Arial"/>
               </a:rPr>
               <a:t>bcsc-webapi</a:t>
             </a:r>
             <a:r>
-              <a:rPr lang="en-US" sz="2400" dirty="0">
+              <a:rPr lang="en-US" sz="2600" dirty="0">
                 <a:latin typeface="Arial"/>
               </a:rPr>
               <a:t>: Generates the WAR including the </a:t>
             </a:r>
             <a:r>
-              <a:rPr lang="en-US" sz="2400" dirty="0" err="1">
+              <a:rPr lang="en-US" sz="2600" dirty="0" err="1">
                 <a:latin typeface="Arial"/>
               </a:rPr>
               <a:t>apiclient</a:t>
             </a:r>
-            <a:endParaRPr dirty="0"/>
+            <a:endParaRPr sz="2600" dirty="0"/>
           </a:p>
           <a:p>
             <a:pPr marL="800100" lvl="1" indent="-342900">
@@ -29295,18 +29125,18 @@
               <a:buChar char="•"/>
             </a:pPr>
             <a:r>
-              <a:rPr lang="en-US" sz="2400" dirty="0" err="1">
+              <a:rPr lang="en-US" sz="2600" dirty="0" err="1">
                 <a:latin typeface="Arial"/>
               </a:rPr>
               <a:t>bcsc-webui</a:t>
             </a:r>
             <a:r>
-              <a:rPr lang="en-US" sz="2400" dirty="0">
+              <a:rPr lang="en-US" sz="2600" dirty="0">
                 <a:latin typeface="Arial"/>
               </a:rPr>
               <a:t>: Web Site, Deploys the WAR</a:t>
             </a:r>
-            <a:endParaRPr dirty="0"/>
+            <a:endParaRPr sz="2600" dirty="0"/>
           </a:p>
         </p:txBody>
       </p:sp>
@@ -29574,85 +29404,6 @@
   <p:clrMapOvr>
     <a:masterClrMapping/>
   </p:clrMapOvr>
-  <p:timing>
-    <p:tnLst>
-      <p:par>
-        <p:cTn id="1" dur="indefinite" restart="never" nodeType="tmRoot">
-          <p:childTnLst>
-            <p:seq>
-              <p:cTn id="2" nodeType="mainSeq">
-                <p:childTnLst>
-                  <p:par>
-                    <p:cTn id="3" fill="freeze">
-                      <p:stCondLst>
-                        <p:cond delay="indefinite"/>
-                      </p:stCondLst>
-                      <p:childTnLst>
-                        <p:par>
-                          <p:cTn id="4" fill="freeze">
-                            <p:stCondLst>
-                              <p:cond delay="0"/>
-                            </p:stCondLst>
-                            <p:childTnLst>
-                              <p:par>
-                                <p:cTn id="5" presetID="1" presetClass="entr" fill="hold" nodeType="clickEffect">
-                                  <p:stCondLst>
-                                    <p:cond delay="0"/>
-                                  </p:stCondLst>
-                                  <p:childTnLst>
-                                    <p:set>
-                                      <p:cBhvr>
-                                        <p:cTn id="6" dur="1" fill="hold">
-                                          <p:stCondLst>
-                                            <p:cond delay="0"/>
-                                          </p:stCondLst>
-                                        </p:cTn>
-                                        <p:tgtEl>
-                                          <p:spTgt spid="770">
-                                            <p:txEl>
-                                              <p:pRg st="0" end="25"/>
-                                            </p:txEl>
-                                          </p:spTgt>
-                                        </p:tgtEl>
-                                        <p:attrNameLst>
-                                          <p:attrName>style.visibility</p:attrName>
-                                        </p:attrNameLst>
-                                      </p:cBhvr>
-                                      <p:to>
-                                        <p:strVal val="visible"/>
-                                      </p:to>
-                                    </p:set>
-                                  </p:childTnLst>
-                                </p:cTn>
-                              </p:par>
-                            </p:childTnLst>
-                          </p:cTn>
-                        </p:par>
-                      </p:childTnLst>
-                    </p:cTn>
-                  </p:par>
-                </p:childTnLst>
-              </p:cTn>
-              <p:prevCondLst>
-                <p:cond evt="onPrev" delay="0">
-                  <p:tgtEl>
-                    <p:sldTgt/>
-                  </p:tgtEl>
-                </p:cond>
-              </p:prevCondLst>
-              <p:nextCondLst>
-                <p:cond evt="onNext" delay="0">
-                  <p:tgtEl>
-                    <p:sldTgt/>
-                  </p:tgtEl>
-                </p:cond>
-              </p:nextCondLst>
-            </p:seq>
-          </p:childTnLst>
-        </p:cTn>
-      </p:par>
-    </p:tnLst>
-  </p:timing>
 </p:sld>
 </file>
 
